--- a/Week 3 - Proofs/Sets.pptx
+++ b/Week 3 - Proofs/Sets.pptx
@@ -215,7 +215,7 @@
           <a:p>
             <a:fld id="{F666E1FD-E7A0-497B-BBC0-740BAAC97C64}" type="datetimeFigureOut">
               <a:rPr lang="en-PH" smtClean="0"/>
-              <a:t>4/14/24</a:t>
+              <a:t>14/04/2024</a:t>
             </a:fld>
             <a:endParaRPr lang="en-PH"/>
           </a:p>
@@ -2228,7 +2228,7 @@
           <a:p>
             <a:fld id="{0CCF0B81-6BD8-4C65-9459-815598C5F1F4}" type="datetimeFigureOut">
               <a:rPr lang="en-PH" smtClean="0"/>
-              <a:t>4/14/24</a:t>
+              <a:t>14/04/2024</a:t>
             </a:fld>
             <a:endParaRPr lang="en-PH"/>
           </a:p>
@@ -2428,7 +2428,7 @@
           <a:p>
             <a:fld id="{0CCF0B81-6BD8-4C65-9459-815598C5F1F4}" type="datetimeFigureOut">
               <a:rPr lang="en-PH" smtClean="0"/>
-              <a:t>4/14/24</a:t>
+              <a:t>14/04/2024</a:t>
             </a:fld>
             <a:endParaRPr lang="en-PH"/>
           </a:p>
@@ -2638,7 +2638,7 @@
           <a:p>
             <a:fld id="{0CCF0B81-6BD8-4C65-9459-815598C5F1F4}" type="datetimeFigureOut">
               <a:rPr lang="en-PH" smtClean="0"/>
-              <a:t>4/14/24</a:t>
+              <a:t>14/04/2024</a:t>
             </a:fld>
             <a:endParaRPr lang="en-PH"/>
           </a:p>
@@ -2838,7 +2838,7 @@
           <a:p>
             <a:fld id="{0CCF0B81-6BD8-4C65-9459-815598C5F1F4}" type="datetimeFigureOut">
               <a:rPr lang="en-PH" smtClean="0"/>
-              <a:t>4/14/24</a:t>
+              <a:t>14/04/2024</a:t>
             </a:fld>
             <a:endParaRPr lang="en-PH"/>
           </a:p>
@@ -3114,7 +3114,7 @@
           <a:p>
             <a:fld id="{0CCF0B81-6BD8-4C65-9459-815598C5F1F4}" type="datetimeFigureOut">
               <a:rPr lang="en-PH" smtClean="0"/>
-              <a:t>4/14/24</a:t>
+              <a:t>14/04/2024</a:t>
             </a:fld>
             <a:endParaRPr lang="en-PH"/>
           </a:p>
@@ -3382,7 +3382,7 @@
           <a:p>
             <a:fld id="{0CCF0B81-6BD8-4C65-9459-815598C5F1F4}" type="datetimeFigureOut">
               <a:rPr lang="en-PH" smtClean="0"/>
-              <a:t>4/14/24</a:t>
+              <a:t>14/04/2024</a:t>
             </a:fld>
             <a:endParaRPr lang="en-PH"/>
           </a:p>
@@ -3797,7 +3797,7 @@
           <a:p>
             <a:fld id="{0CCF0B81-6BD8-4C65-9459-815598C5F1F4}" type="datetimeFigureOut">
               <a:rPr lang="en-PH" smtClean="0"/>
-              <a:t>4/14/24</a:t>
+              <a:t>14/04/2024</a:t>
             </a:fld>
             <a:endParaRPr lang="en-PH"/>
           </a:p>
@@ -3939,7 +3939,7 @@
           <a:p>
             <a:fld id="{0CCF0B81-6BD8-4C65-9459-815598C5F1F4}" type="datetimeFigureOut">
               <a:rPr lang="en-PH" smtClean="0"/>
-              <a:t>4/14/24</a:t>
+              <a:t>14/04/2024</a:t>
             </a:fld>
             <a:endParaRPr lang="en-PH"/>
           </a:p>
@@ -4052,7 +4052,7 @@
           <a:p>
             <a:fld id="{0CCF0B81-6BD8-4C65-9459-815598C5F1F4}" type="datetimeFigureOut">
               <a:rPr lang="en-PH" smtClean="0"/>
-              <a:t>4/14/24</a:t>
+              <a:t>14/04/2024</a:t>
             </a:fld>
             <a:endParaRPr lang="en-PH"/>
           </a:p>
@@ -4365,7 +4365,7 @@
           <a:p>
             <a:fld id="{0CCF0B81-6BD8-4C65-9459-815598C5F1F4}" type="datetimeFigureOut">
               <a:rPr lang="en-PH" smtClean="0"/>
-              <a:t>4/14/24</a:t>
+              <a:t>14/04/2024</a:t>
             </a:fld>
             <a:endParaRPr lang="en-PH"/>
           </a:p>
@@ -4654,7 +4654,7 @@
           <a:p>
             <a:fld id="{0CCF0B81-6BD8-4C65-9459-815598C5F1F4}" type="datetimeFigureOut">
               <a:rPr lang="en-PH" smtClean="0"/>
-              <a:t>4/14/24</a:t>
+              <a:t>14/04/2024</a:t>
             </a:fld>
             <a:endParaRPr lang="en-PH"/>
           </a:p>
@@ -4897,7 +4897,7 @@
           <a:p>
             <a:fld id="{0CCF0B81-6BD8-4C65-9459-815598C5F1F4}" type="datetimeFigureOut">
               <a:rPr lang="en-PH" smtClean="0"/>
-              <a:t>4/14/24</a:t>
+              <a:t>14/04/2024</a:t>
             </a:fld>
             <a:endParaRPr lang="en-PH"/>
           </a:p>
@@ -8467,7 +8467,7 @@
         <p:spPr>
           <a:xfrm>
             <a:off x="622169" y="1362663"/>
-            <a:ext cx="11227324" cy="1569660"/>
+            <a:ext cx="11227324" cy="3785652"/>
           </a:xfrm>
           <a:prstGeom prst="rect">
             <a:avLst/>
@@ -8479,6 +8479,62 @@
             <a:spAutoFit/>
           </a:bodyPr>
           <a:lstStyle/>
+          <a:p>
+            <a:r>
+              <a:rPr lang="en-US" sz="2400" b="1" i="0" dirty="0">
+                <a:solidFill>
+                  <a:srgbClr val="000000"/>
+                </a:solidFill>
+                <a:effectLst/>
+                <a:latin typeface="TeXGyreSchola-Bold"/>
+              </a:rPr>
+              <a:t>A </a:t>
+            </a:r>
+            <a:r>
+              <a:rPr lang="en-US" sz="2400" b="1" i="0" dirty="0">
+                <a:solidFill>
+                  <a:srgbClr val="00B050"/>
+                </a:solidFill>
+                <a:effectLst/>
+                <a:latin typeface="TeXGyreSchola-Bold"/>
+              </a:rPr>
+              <a:t>set-builder notation </a:t>
+            </a:r>
+            <a:r>
+              <a:rPr lang="en-US" sz="2400" b="0" i="0" dirty="0">
+                <a:solidFill>
+                  <a:srgbClr val="000000"/>
+                </a:solidFill>
+                <a:effectLst/>
+                <a:latin typeface="TeXGyreSchola-Regular"/>
+              </a:rPr>
+              <a:t>is used to describe sets </a:t>
+            </a:r>
+            <a:r>
+              <a:rPr lang="en-US" sz="2400" b="1" i="0" dirty="0">
+                <a:solidFill>
+                  <a:srgbClr val="0070C0"/>
+                </a:solidFill>
+                <a:effectLst/>
+                <a:latin typeface="TeXGyreSchola-Regular"/>
+              </a:rPr>
+              <a:t>that are too big or complex to list</a:t>
+            </a:r>
+            <a:r>
+              <a:rPr lang="en-US" sz="2400" b="0" i="0" dirty="0">
+                <a:solidFill>
+                  <a:srgbClr val="000000"/>
+                </a:solidFill>
+                <a:effectLst/>
+                <a:latin typeface="TeXGyreSchola-Regular"/>
+              </a:rPr>
+              <a:t> between braces.</a:t>
+            </a:r>
+            <a:endParaRPr lang="en-PH" sz="2400" dirty="0"/>
+          </a:p>
+          <a:p>
+            <a:endParaRPr lang="en-PH" sz="2400" dirty="0"/>
+          </a:p>
           <a:p>
             <a:r>
               <a:rPr lang="en-PH" sz="2400" dirty="0"/>
@@ -8513,6 +8569,14 @@
               <a:rPr lang="en-PH" sz="2400" dirty="0"/>
               <a:t>Using this notation, we can "build" a set by describing what is in it.</a:t>
             </a:r>
+          </a:p>
+          <a:p>
+            <a:endParaRPr lang="en-PH" sz="2400" dirty="0"/>
+          </a:p>
+          <a:p>
+            <a:br>
+              <a:rPr lang="en-US" sz="2400" dirty="0"/>
+            </a:br>
             <a:endParaRPr lang="en-US" sz="2400" dirty="0"/>
           </a:p>
         </p:txBody>
@@ -8647,8 +8711,8 @@
           </a:p>
         </p:txBody>
       </p:sp>
-      <mc:AlternateContent xmlns:mc="http://schemas.openxmlformats.org/markup-compatibility/2006" xmlns:a14="http://schemas.microsoft.com/office/drawing/2010/main">
-        <mc:Choice Requires="a14">
+      <mc:AlternateContent xmlns:mc="http://schemas.openxmlformats.org/markup-compatibility/2006">
+        <mc:Choice xmlns:a14="http://schemas.microsoft.com/office/drawing/2010/main" Requires="a14">
           <p:sp>
             <p:nvSpPr>
               <p:cNvPr id="5" name="TextBox 4">
@@ -8663,8 +8727,8 @@
             </p:nvSpPr>
             <p:spPr>
               <a:xfrm>
-                <a:off x="773779" y="1988221"/>
-                <a:ext cx="10644433" cy="553998"/>
+                <a:off x="2626702" y="1887901"/>
+                <a:ext cx="6938576" cy="784830"/>
               </a:xfrm>
               <a:prstGeom prst="rect">
                 <a:avLst/>
@@ -8685,16 +8749,22 @@
                     </m:oMathParaPr>
                     <m:oMath xmlns:m="http://schemas.openxmlformats.org/officeDocument/2006/math">
                       <m:r>
-                        <a:rPr lang="en-GB" sz="3000" b="0" i="1" smtClean="0">
+                        <a:rPr lang="en-US" sz="4500" b="0" i="1" smtClean="0">
                           <a:latin typeface="Cambria Math" panose="02040503050406030204" pitchFamily="18" charset="0"/>
                         </a:rPr>
-                        <m:t>{</m:t>
+                        <m:t>𝐴</m:t>
+                      </m:r>
+                      <m:r>
+                        <a:rPr lang="en-US" sz="4500" b="0" i="1" smtClean="0">
+                          <a:latin typeface="Cambria Math" panose="02040503050406030204" pitchFamily="18" charset="0"/>
+                        </a:rPr>
+                        <m:t>= {</m:t>
                       </m:r>
                       <m:r>
                         <m:rPr>
                           <m:nor/>
                         </m:rPr>
-                        <a:rPr lang="en-PH" sz="3000" b="1" smtClean="0">
+                        <a:rPr lang="en-PH" sz="4500" b="1" smtClean="0">
                           <a:solidFill>
                             <a:srgbClr val="0070C0"/>
                           </a:solidFill>
@@ -8707,7 +8777,7 @@
                         <m:rPr>
                           <m:nor/>
                         </m:rPr>
-                        <a:rPr lang="en-PH" sz="3000">
+                        <a:rPr lang="en-PH" sz="4500">
                           <a:latin typeface="Cambria Math" panose="02040503050406030204" pitchFamily="18" charset="0"/>
                           <a:ea typeface="Cambria Math" panose="02040503050406030204" pitchFamily="18" charset="0"/>
                         </a:rPr>
@@ -8717,160 +8787,17 @@
                         <m:rPr>
                           <m:nor/>
                         </m:rPr>
-                        <a:rPr lang="en-PH" sz="3000" b="1" smtClean="0">
+                        <a:rPr lang="en-US" sz="4500" b="1" i="0" smtClean="0">
                           <a:solidFill>
                             <a:srgbClr val="FF0000"/>
                           </a:solidFill>
                           <a:latin typeface="Cambria Math" panose="02040503050406030204" pitchFamily="18" charset="0"/>
                           <a:ea typeface="Cambria Math" panose="02040503050406030204" pitchFamily="18" charset="0"/>
                         </a:rPr>
-                        <m:t>conditions</m:t>
+                        <m:t>rules</m:t>
                       </m:r>
                       <m:r>
-                        <m:rPr>
-                          <m:nor/>
-                        </m:rPr>
-                        <a:rPr lang="en-PH" sz="3000" b="1" smtClean="0">
-                          <a:solidFill>
-                            <a:srgbClr val="FF0000"/>
-                          </a:solidFill>
-                          <a:latin typeface="Cambria Math" panose="02040503050406030204" pitchFamily="18" charset="0"/>
-                          <a:ea typeface="Cambria Math" panose="02040503050406030204" pitchFamily="18" charset="0"/>
-                        </a:rPr>
-                        <m:t> </m:t>
-                      </m:r>
-                      <m:r>
-                        <m:rPr>
-                          <m:nor/>
-                        </m:rPr>
-                        <a:rPr lang="en-PH" sz="3000" b="1" smtClean="0">
-                          <a:solidFill>
-                            <a:srgbClr val="FF0000"/>
-                          </a:solidFill>
-                          <a:latin typeface="Cambria Math" panose="02040503050406030204" pitchFamily="18" charset="0"/>
-                          <a:ea typeface="Cambria Math" panose="02040503050406030204" pitchFamily="18" charset="0"/>
-                        </a:rPr>
-                        <m:t>used</m:t>
-                      </m:r>
-                      <m:r>
-                        <m:rPr>
-                          <m:nor/>
-                        </m:rPr>
-                        <a:rPr lang="en-PH" sz="3000" b="1" smtClean="0">
-                          <a:solidFill>
-                            <a:srgbClr val="FF0000"/>
-                          </a:solidFill>
-                          <a:latin typeface="Cambria Math" panose="02040503050406030204" pitchFamily="18" charset="0"/>
-                          <a:ea typeface="Cambria Math" panose="02040503050406030204" pitchFamily="18" charset="0"/>
-                        </a:rPr>
-                        <m:t> </m:t>
-                      </m:r>
-                      <m:r>
-                        <m:rPr>
-                          <m:nor/>
-                        </m:rPr>
-                        <a:rPr lang="en-PH" sz="3000" b="1" smtClean="0">
-                          <a:solidFill>
-                            <a:srgbClr val="FF0000"/>
-                          </a:solidFill>
-                          <a:latin typeface="Cambria Math" panose="02040503050406030204" pitchFamily="18" charset="0"/>
-                          <a:ea typeface="Cambria Math" panose="02040503050406030204" pitchFamily="18" charset="0"/>
-                        </a:rPr>
-                        <m:t>to</m:t>
-                      </m:r>
-                      <m:r>
-                        <m:rPr>
-                          <m:nor/>
-                        </m:rPr>
-                        <a:rPr lang="en-PH" sz="3000" b="1" smtClean="0">
-                          <a:solidFill>
-                            <a:srgbClr val="FF0000"/>
-                          </a:solidFill>
-                          <a:latin typeface="Cambria Math" panose="02040503050406030204" pitchFamily="18" charset="0"/>
-                          <a:ea typeface="Cambria Math" panose="02040503050406030204" pitchFamily="18" charset="0"/>
-                        </a:rPr>
-                        <m:t> </m:t>
-                      </m:r>
-                      <m:r>
-                        <m:rPr>
-                          <m:nor/>
-                        </m:rPr>
-                        <a:rPr lang="en-PH" sz="3000" b="1" smtClean="0">
-                          <a:solidFill>
-                            <a:srgbClr val="FF0000"/>
-                          </a:solidFill>
-                          <a:latin typeface="Cambria Math" panose="02040503050406030204" pitchFamily="18" charset="0"/>
-                          <a:ea typeface="Cambria Math" panose="02040503050406030204" pitchFamily="18" charset="0"/>
-                        </a:rPr>
-                        <m:t>generate</m:t>
-                      </m:r>
-                      <m:r>
-                        <m:rPr>
-                          <m:nor/>
-                        </m:rPr>
-                        <a:rPr lang="en-PH" sz="3000" b="1" smtClean="0">
-                          <a:solidFill>
-                            <a:srgbClr val="FF0000"/>
-                          </a:solidFill>
-                          <a:latin typeface="Cambria Math" panose="02040503050406030204" pitchFamily="18" charset="0"/>
-                          <a:ea typeface="Cambria Math" panose="02040503050406030204" pitchFamily="18" charset="0"/>
-                        </a:rPr>
-                        <m:t> </m:t>
-                      </m:r>
-                      <m:r>
-                        <m:rPr>
-                          <m:nor/>
-                        </m:rPr>
-                        <a:rPr lang="en-PH" sz="3000" b="1" smtClean="0">
-                          <a:solidFill>
-                            <a:srgbClr val="FF0000"/>
-                          </a:solidFill>
-                          <a:latin typeface="Cambria Math" panose="02040503050406030204" pitchFamily="18" charset="0"/>
-                          <a:ea typeface="Cambria Math" panose="02040503050406030204" pitchFamily="18" charset="0"/>
-                        </a:rPr>
-                        <m:t>the</m:t>
-                      </m:r>
-                      <m:r>
-                        <m:rPr>
-                          <m:nor/>
-                        </m:rPr>
-                        <a:rPr lang="en-PH" sz="3000" b="1" smtClean="0">
-                          <a:solidFill>
-                            <a:srgbClr val="FF0000"/>
-                          </a:solidFill>
-                          <a:latin typeface="Cambria Math" panose="02040503050406030204" pitchFamily="18" charset="0"/>
-                          <a:ea typeface="Cambria Math" panose="02040503050406030204" pitchFamily="18" charset="0"/>
-                        </a:rPr>
-                        <m:t> </m:t>
-                      </m:r>
-                      <m:r>
-                        <m:rPr>
-                          <m:nor/>
-                        </m:rPr>
-                        <a:rPr lang="en-PH" sz="3000" b="1" smtClean="0">
-                          <a:solidFill>
-                            <a:srgbClr val="FF0000"/>
-                          </a:solidFill>
-                          <a:latin typeface="Cambria Math" panose="02040503050406030204" pitchFamily="18" charset="0"/>
-                          <a:ea typeface="Cambria Math" panose="02040503050406030204" pitchFamily="18" charset="0"/>
-                        </a:rPr>
-                        <m:t>elements</m:t>
-                      </m:r>
-                      <m:r>
-                        <m:rPr>
-                          <m:nor/>
-                        </m:rPr>
-                        <a:rPr lang="en-PH" sz="3000" b="1" smtClean="0">
-                          <a:solidFill>
-                            <a:srgbClr val="FF0000"/>
-                          </a:solidFill>
-                          <a:latin typeface="Cambria Math" panose="02040503050406030204" pitchFamily="18" charset="0"/>
-                          <a:ea typeface="Cambria Math" panose="02040503050406030204" pitchFamily="18" charset="0"/>
-                        </a:rPr>
-                        <m:t> </m:t>
-                      </m:r>
-                      <m:r>
-                        <a:rPr lang="en-GB" sz="3000" b="0" i="1" smtClean="0">
+                        <a:rPr lang="en-GB" sz="4500" b="0" i="1" smtClean="0">
                           <a:latin typeface="Cambria Math" panose="02040503050406030204" pitchFamily="18" charset="0"/>
                         </a:rPr>
                         <m:t>}</m:t>
@@ -8878,12 +8805,12 @@
                     </m:oMath>
                   </m:oMathPara>
                 </a14:m>
-                <a:endParaRPr lang="en-US" sz="3000" dirty="0"/>
+                <a:endParaRPr lang="en-US" sz="4500" dirty="0"/>
               </a:p>
             </p:txBody>
           </p:sp>
         </mc:Choice>
-        <mc:Fallback xmlns="">
+        <mc:Fallback>
           <p:sp>
             <p:nvSpPr>
               <p:cNvPr id="5" name="TextBox 4">
@@ -8900,8 +8827,8 @@
             </p:nvSpPr>
             <p:spPr>
               <a:xfrm>
-                <a:off x="773779" y="1988221"/>
-                <a:ext cx="10644433" cy="553998"/>
+                <a:off x="2626702" y="1887901"/>
+                <a:ext cx="6938576" cy="784830"/>
               </a:xfrm>
               <a:prstGeom prst="rect">
                 <a:avLst/>
@@ -8909,7 +8836,7 @@
               <a:blipFill>
                 <a:blip r:embed="rId4"/>
                 <a:stretch>
-                  <a:fillRect b="-22222"/>
+                  <a:fillRect/>
                 </a:stretch>
               </a:blipFill>
             </p:spPr>
@@ -8918,7 +8845,7 @@
               <a:lstStyle/>
               <a:p>
                 <a:r>
-                  <a:rPr lang="en-US">
+                  <a:rPr lang="en-PH">
                     <a:noFill/>
                   </a:rPr>
                   <a:t> </a:t>
@@ -8928,8 +8855,8 @@
           </p:sp>
         </mc:Fallback>
       </mc:AlternateContent>
-      <mc:AlternateContent xmlns:mc="http://schemas.openxmlformats.org/markup-compatibility/2006" xmlns:a14="http://schemas.microsoft.com/office/drawing/2010/main">
-        <mc:Choice Requires="a14">
+      <mc:AlternateContent xmlns:mc="http://schemas.openxmlformats.org/markup-compatibility/2006">
+        <mc:Choice xmlns:a14="http://schemas.microsoft.com/office/drawing/2010/main" Requires="a14">
           <p:sp>
             <p:nvSpPr>
               <p:cNvPr id="17" name="TextBox 16">
@@ -8944,8 +8871,8 @@
             </p:nvSpPr>
             <p:spPr>
               <a:xfrm>
-                <a:off x="3254596" y="3576121"/>
-                <a:ext cx="5682797" cy="1169551"/>
+                <a:off x="3254592" y="3126417"/>
+                <a:ext cx="5682797" cy="861774"/>
               </a:xfrm>
               <a:prstGeom prst="rect">
                 <a:avLst/>
@@ -8966,19 +8893,19 @@
                     </m:oMathParaPr>
                     <m:oMath xmlns:m="http://schemas.openxmlformats.org/officeDocument/2006/math">
                       <m:r>
-                        <a:rPr lang="en-GB" sz="7000" b="0" i="1" smtClean="0">
+                        <a:rPr lang="en-GB" sz="5000" b="0" i="1" smtClean="0">
                           <a:latin typeface="Cambria Math" panose="02040503050406030204" pitchFamily="18" charset="0"/>
                         </a:rPr>
                         <m:t>𝐴</m:t>
                       </m:r>
                       <m:r>
-                        <a:rPr lang="en-GB" sz="7000" b="0" i="1" smtClean="0">
+                        <a:rPr lang="en-GB" sz="5000" b="0" i="1" smtClean="0">
                           <a:latin typeface="Cambria Math" panose="02040503050406030204" pitchFamily="18" charset="0"/>
                         </a:rPr>
                         <m:t>={</m:t>
                       </m:r>
                       <m:r>
-                        <a:rPr lang="en-GB" sz="7000" b="0" i="1" smtClean="0">
+                        <a:rPr lang="en-GB" sz="5000" b="0" i="1" smtClean="0">
                           <a:solidFill>
                             <a:srgbClr val="0070C0"/>
                           </a:solidFill>
@@ -8987,14 +8914,14 @@
                         <m:t>𝑥</m:t>
                       </m:r>
                       <m:r>
-                        <a:rPr lang="en-GB" sz="7000" b="1" i="1" dirty="0" smtClean="0">
+                        <a:rPr lang="en-GB" sz="5000" b="1" i="1" dirty="0" smtClean="0">
                           <a:latin typeface="Cambria Math" panose="02040503050406030204" pitchFamily="18" charset="0"/>
                           <a:ea typeface="Cambria Math" panose="02040503050406030204" pitchFamily="18" charset="0"/>
                         </a:rPr>
                         <m:t>:</m:t>
                       </m:r>
                       <m:r>
-                        <a:rPr lang="en-GB" sz="7000" i="1" smtClean="0">
+                        <a:rPr lang="en-GB" sz="5000" i="1" smtClean="0">
                           <a:solidFill>
                             <a:srgbClr val="FF0000"/>
                           </a:solidFill>
@@ -9003,7 +8930,7 @@
                         <m:t>𝑥</m:t>
                       </m:r>
                       <m:r>
-                        <a:rPr lang="en-GB" sz="7000" b="0" i="1" smtClean="0">
+                        <a:rPr lang="en-GB" sz="5000" b="0" i="1" smtClean="0">
                           <a:solidFill>
                             <a:srgbClr val="FF0000"/>
                           </a:solidFill>
@@ -9012,7 +8939,7 @@
                         <m:t>&gt;0</m:t>
                       </m:r>
                       <m:r>
-                        <a:rPr lang="en-GB" sz="7000" b="0" i="1" smtClean="0">
+                        <a:rPr lang="en-GB" sz="5000" b="0" i="1" smtClean="0">
                           <a:latin typeface="Cambria Math" panose="02040503050406030204" pitchFamily="18" charset="0"/>
                         </a:rPr>
                         <m:t>}</m:t>
@@ -9020,12 +8947,12 @@
                     </m:oMath>
                   </m:oMathPara>
                 </a14:m>
-                <a:endParaRPr lang="en-US" sz="7000" dirty="0"/>
+                <a:endParaRPr lang="en-US" sz="5000" dirty="0"/>
               </a:p>
             </p:txBody>
           </p:sp>
         </mc:Choice>
-        <mc:Fallback xmlns="">
+        <mc:Fallback>
           <p:sp>
             <p:nvSpPr>
               <p:cNvPr id="17" name="TextBox 16">
@@ -9042,8 +8969,8 @@
             </p:nvSpPr>
             <p:spPr>
               <a:xfrm>
-                <a:off x="3254596" y="3576121"/>
-                <a:ext cx="5682797" cy="1169551"/>
+                <a:off x="3254592" y="3126417"/>
+                <a:ext cx="5682797" cy="861774"/>
               </a:xfrm>
               <a:prstGeom prst="rect">
                 <a:avLst/>
@@ -9051,7 +8978,7 @@
               <a:blipFill>
                 <a:blip r:embed="rId5"/>
                 <a:stretch>
-                  <a:fillRect l="-3348" r="-5357" b="-29032"/>
+                  <a:fillRect/>
                 </a:stretch>
               </a:blipFill>
             </p:spPr>
@@ -9060,7 +8987,7 @@
               <a:lstStyle/>
               <a:p>
                 <a:r>
-                  <a:rPr lang="en-US">
+                  <a:rPr lang="en-PH">
                     <a:noFill/>
                   </a:rPr>
                   <a:t> </a:t>
@@ -9084,7 +9011,7 @@
         </p:nvSpPr>
         <p:spPr>
           <a:xfrm>
-            <a:off x="1524000" y="2890140"/>
+            <a:off x="647700" y="2731568"/>
             <a:ext cx="1798955" cy="461665"/>
           </a:xfrm>
           <a:prstGeom prst="rect">
@@ -9106,6 +9033,238 @@
           </a:p>
         </p:txBody>
       </p:sp>
+      <p:sp>
+        <p:nvSpPr>
+          <p:cNvPr id="9" name="TextBox 8">
+            <a:extLst>
+              <a:ext uri="{FF2B5EF4-FFF2-40B4-BE49-F238E27FC236}">
+                <a16:creationId xmlns:a16="http://schemas.microsoft.com/office/drawing/2014/main" id="{A1C1415F-762F-03C9-E3AD-01CF83B9C336}"/>
+              </a:ext>
+            </a:extLst>
+          </p:cNvPr>
+          <p:cNvSpPr txBox="1"/>
+          <p:nvPr/>
+        </p:nvSpPr>
+        <p:spPr>
+          <a:xfrm>
+            <a:off x="647700" y="1375176"/>
+            <a:ext cx="8709660" cy="461665"/>
+          </a:xfrm>
+          <a:prstGeom prst="rect">
+            <a:avLst/>
+          </a:prstGeom>
+          <a:noFill/>
+        </p:spPr>
+        <p:txBody>
+          <a:bodyPr wrap="square">
+            <a:spAutoFit/>
+          </a:bodyPr>
+          <a:lstStyle/>
+          <a:p>
+            <a:r>
+              <a:rPr lang="en-US" sz="2400" dirty="0"/>
+              <a:t>In general, a set A written with set-builder notation has the syntax </a:t>
+            </a:r>
+            <a:endParaRPr lang="en-PH" sz="2400" dirty="0"/>
+          </a:p>
+        </p:txBody>
+      </p:sp>
+      <p:sp>
+        <p:nvSpPr>
+          <p:cNvPr id="11" name="TextBox 10">
+            <a:extLst>
+              <a:ext uri="{FF2B5EF4-FFF2-40B4-BE49-F238E27FC236}">
+                <a16:creationId xmlns:a16="http://schemas.microsoft.com/office/drawing/2014/main" id="{075F348B-E864-23C7-E958-0193E29B49D3}"/>
+              </a:ext>
+            </a:extLst>
+          </p:cNvPr>
+          <p:cNvSpPr txBox="1"/>
+          <p:nvPr/>
+        </p:nvSpPr>
+        <p:spPr>
+          <a:xfrm>
+            <a:off x="647699" y="4118910"/>
+            <a:ext cx="5379721" cy="461665"/>
+          </a:xfrm>
+          <a:prstGeom prst="rect">
+            <a:avLst/>
+          </a:prstGeom>
+          <a:noFill/>
+        </p:spPr>
+        <p:txBody>
+          <a:bodyPr wrap="square">
+            <a:spAutoFit/>
+          </a:bodyPr>
+          <a:lstStyle/>
+          <a:p>
+            <a:r>
+              <a:rPr lang="en-US" sz="2400" dirty="0"/>
+              <a:t>Some writers use a bar instead of a colon </a:t>
+            </a:r>
+            <a:endParaRPr lang="en-PH" sz="2400" dirty="0"/>
+          </a:p>
+        </p:txBody>
+      </p:sp>
+      <mc:AlternateContent xmlns:mc="http://schemas.openxmlformats.org/markup-compatibility/2006">
+        <mc:Choice xmlns:a14="http://schemas.microsoft.com/office/drawing/2010/main" Requires="a14">
+          <p:sp>
+            <p:nvSpPr>
+              <p:cNvPr id="12" name="TextBox 11">
+                <a:extLst>
+                  <a:ext uri="{FF2B5EF4-FFF2-40B4-BE49-F238E27FC236}">
+                    <a16:creationId xmlns:a16="http://schemas.microsoft.com/office/drawing/2014/main" id="{19A732BB-8D42-CA3F-E229-CD3FA478AF1D}"/>
+                  </a:ext>
+                </a:extLst>
+              </p:cNvPr>
+              <p:cNvSpPr txBox="1"/>
+              <p:nvPr/>
+            </p:nvSpPr>
+            <p:spPr>
+              <a:xfrm>
+                <a:off x="3186021" y="4872764"/>
+                <a:ext cx="5682797" cy="861774"/>
+              </a:xfrm>
+              <a:prstGeom prst="rect">
+                <a:avLst/>
+              </a:prstGeom>
+              <a:noFill/>
+            </p:spPr>
+            <p:txBody>
+              <a:bodyPr wrap="square">
+                <a:spAutoFit/>
+              </a:bodyPr>
+              <a:lstStyle/>
+              <a:p>
+                <a:pPr/>
+                <a14:m>
+                  <m:oMathPara xmlns:m="http://schemas.openxmlformats.org/officeDocument/2006/math">
+                    <m:oMathParaPr>
+                      <m:jc m:val="centerGroup"/>
+                    </m:oMathParaPr>
+                    <m:oMath xmlns:m="http://schemas.openxmlformats.org/officeDocument/2006/math">
+                      <m:r>
+                        <a:rPr lang="en-GB" sz="5000" b="0" i="1" smtClean="0">
+                          <a:latin typeface="Cambria Math" panose="02040503050406030204" pitchFamily="18" charset="0"/>
+                        </a:rPr>
+                        <m:t>𝐴</m:t>
+                      </m:r>
+                      <m:r>
+                        <a:rPr lang="en-GB" sz="5000" b="0" i="1" smtClean="0">
+                          <a:latin typeface="Cambria Math" panose="02040503050406030204" pitchFamily="18" charset="0"/>
+                        </a:rPr>
+                        <m:t>=</m:t>
+                      </m:r>
+                      <m:d>
+                        <m:dPr>
+                          <m:begChr m:val="{"/>
+                          <m:endChr m:val="|"/>
+                          <m:ctrlPr>
+                            <a:rPr lang="en-GB" sz="5000" b="0" i="1" smtClean="0">
+                              <a:solidFill>
+                                <a:schemeClr val="tx1"/>
+                              </a:solidFill>
+                              <a:latin typeface="Cambria Math" panose="02040503050406030204" pitchFamily="18" charset="0"/>
+                            </a:rPr>
+                          </m:ctrlPr>
+                        </m:dPr>
+                        <m:e>
+                          <m:r>
+                            <a:rPr lang="en-GB" sz="5000" b="0" i="1" smtClean="0">
+                              <a:solidFill>
+                                <a:srgbClr val="0070C0"/>
+                              </a:solidFill>
+                              <a:latin typeface="Cambria Math" panose="02040503050406030204" pitchFamily="18" charset="0"/>
+                            </a:rPr>
+                            <m:t>𝑥</m:t>
+                          </m:r>
+                          <m:r>
+                            <a:rPr lang="en-US" sz="5000" b="0" i="1" smtClean="0">
+                              <a:solidFill>
+                                <a:schemeClr val="tx1"/>
+                              </a:solidFill>
+                              <a:latin typeface="Cambria Math" panose="02040503050406030204" pitchFamily="18" charset="0"/>
+                            </a:rPr>
+                            <m:t> </m:t>
+                          </m:r>
+                        </m:e>
+                      </m:d>
+                      <m:r>
+                        <a:rPr lang="en-GB" sz="5000" i="1" smtClean="0">
+                          <a:solidFill>
+                            <a:srgbClr val="FF0000"/>
+                          </a:solidFill>
+                          <a:latin typeface="Cambria Math" panose="02040503050406030204" pitchFamily="18" charset="0"/>
+                        </a:rPr>
+                        <m:t>𝑥</m:t>
+                      </m:r>
+                      <m:r>
+                        <a:rPr lang="en-GB" sz="5000" b="0" i="1" smtClean="0">
+                          <a:solidFill>
+                            <a:srgbClr val="FF0000"/>
+                          </a:solidFill>
+                          <a:latin typeface="Cambria Math" panose="02040503050406030204" pitchFamily="18" charset="0"/>
+                        </a:rPr>
+                        <m:t>&gt;0</m:t>
+                      </m:r>
+                      <m:r>
+                        <a:rPr lang="en-GB" sz="5000" b="0" i="1" smtClean="0">
+                          <a:latin typeface="Cambria Math" panose="02040503050406030204" pitchFamily="18" charset="0"/>
+                        </a:rPr>
+                        <m:t>}</m:t>
+                      </m:r>
+                    </m:oMath>
+                  </m:oMathPara>
+                </a14:m>
+                <a:endParaRPr lang="en-US" sz="5000" dirty="0"/>
+              </a:p>
+            </p:txBody>
+          </p:sp>
+        </mc:Choice>
+        <mc:Fallback>
+          <p:sp>
+            <p:nvSpPr>
+              <p:cNvPr id="12" name="TextBox 11">
+                <a:extLst>
+                  <a:ext uri="{FF2B5EF4-FFF2-40B4-BE49-F238E27FC236}">
+                    <a16:creationId xmlns:a16="http://schemas.microsoft.com/office/drawing/2014/main" id="{19A732BB-8D42-CA3F-E229-CD3FA478AF1D}"/>
+                  </a:ext>
+                </a:extLst>
+              </p:cNvPr>
+              <p:cNvSpPr txBox="1">
+                <a:spLocks noRot="1" noChangeAspect="1" noMove="1" noResize="1" noEditPoints="1" noAdjustHandles="1" noChangeArrowheads="1" noChangeShapeType="1" noTextEdit="1"/>
+              </p:cNvSpPr>
+              <p:nvPr/>
+            </p:nvSpPr>
+            <p:spPr>
+              <a:xfrm>
+                <a:off x="3186021" y="4872764"/>
+                <a:ext cx="5682797" cy="861774"/>
+              </a:xfrm>
+              <a:prstGeom prst="rect">
+                <a:avLst/>
+              </a:prstGeom>
+              <a:blipFill>
+                <a:blip r:embed="rId6"/>
+                <a:stretch>
+                  <a:fillRect/>
+                </a:stretch>
+              </a:blipFill>
+            </p:spPr>
+            <p:txBody>
+              <a:bodyPr/>
+              <a:lstStyle/>
+              <a:p>
+                <a:r>
+                  <a:rPr lang="en-PH">
+                    <a:noFill/>
+                  </a:rPr>
+                  <a:t> </a:t>
+                </a:r>
+              </a:p>
+            </p:txBody>
+          </p:sp>
+        </mc:Fallback>
+      </mc:AlternateContent>
     </p:spTree>
     <p:extLst>
       <p:ext uri="{BB962C8B-B14F-4D97-AF65-F5344CB8AC3E}">
@@ -16453,9 +16612,12 @@
 </file>
 
 <file path=customXml/item1.xml><?xml version="1.0" encoding="utf-8"?>
-<p:properties xmlns:p="http://schemas.microsoft.com/office/2006/metadata/properties" xmlns:xsi="http://www.w3.org/2001/XMLSchema-instance" xmlns:pc="http://schemas.microsoft.com/office/infopath/2007/PartnerControls">
-  <documentManagement/>
-</p:properties>
+<?mso-contentType ?>
+<FormTemplates xmlns="http://schemas.microsoft.com/sharepoint/v3/contenttype/forms">
+  <Display>DocumentLibraryForm</Display>
+  <Edit>DocumentLibraryForm</Edit>
+  <New>DocumentLibraryForm</New>
+</FormTemplates>
 </file>
 
 <file path=customXml/item2.xml><?xml version="1.0" encoding="utf-8"?>
@@ -16591,19 +16753,15 @@
 </file>
 
 <file path=customXml/item3.xml><?xml version="1.0" encoding="utf-8"?>
-<?mso-contentType ?>
-<FormTemplates xmlns="http://schemas.microsoft.com/sharepoint/v3/contenttype/forms">
-  <Display>DocumentLibraryForm</Display>
-  <Edit>DocumentLibraryForm</Edit>
-  <New>DocumentLibraryForm</New>
-</FormTemplates>
+<p:properties xmlns:p="http://schemas.microsoft.com/office/2006/metadata/properties" xmlns:xsi="http://www.w3.org/2001/XMLSchema-instance" xmlns:pc="http://schemas.microsoft.com/office/infopath/2007/PartnerControls">
+  <documentManagement/>
+</p:properties>
 </file>
 
 <file path=customXml/itemProps1.xml><?xml version="1.0" encoding="utf-8"?>
-<ds:datastoreItem xmlns:ds="http://schemas.openxmlformats.org/officeDocument/2006/customXml" ds:itemID="{A05518A6-09E4-4E11-AE7D-4C13722BEBC7}">
+<ds:datastoreItem xmlns:ds="http://schemas.openxmlformats.org/officeDocument/2006/customXml" ds:itemID="{AE0C03B0-3DE5-4BD9-B3BB-6E4919CD06B4}">
   <ds:schemaRefs>
-    <ds:schemaRef ds:uri="http://schemas.microsoft.com/office/2006/metadata/properties"/>
-    <ds:schemaRef ds:uri="http://schemas.microsoft.com/office/infopath/2007/PartnerControls"/>
+    <ds:schemaRef ds:uri="http://schemas.microsoft.com/sharepoint/v3/contenttype/forms"/>
   </ds:schemaRefs>
 </ds:datastoreItem>
 </file>
@@ -16627,9 +16785,10 @@
 </file>
 
 <file path=customXml/itemProps3.xml><?xml version="1.0" encoding="utf-8"?>
-<ds:datastoreItem xmlns:ds="http://schemas.openxmlformats.org/officeDocument/2006/customXml" ds:itemID="{AE0C03B0-3DE5-4BD9-B3BB-6E4919CD06B4}">
+<ds:datastoreItem xmlns:ds="http://schemas.openxmlformats.org/officeDocument/2006/customXml" ds:itemID="{A05518A6-09E4-4E11-AE7D-4C13722BEBC7}">
   <ds:schemaRefs>
-    <ds:schemaRef ds:uri="http://schemas.microsoft.com/sharepoint/v3/contenttype/forms"/>
+    <ds:schemaRef ds:uri="http://schemas.microsoft.com/office/2006/metadata/properties"/>
+    <ds:schemaRef ds:uri="http://schemas.microsoft.com/office/infopath/2007/PartnerControls"/>
   </ds:schemaRefs>
 </ds:datastoreItem>
 </file>
--- a/Week 3 - Proofs/Sets.pptx
+++ b/Week 3 - Proofs/Sets.pptx
@@ -215,7 +215,7 @@
           <a:p>
             <a:fld id="{F666E1FD-E7A0-497B-BBC0-740BAAC97C64}" type="datetimeFigureOut">
               <a:rPr lang="en-PH" smtClean="0"/>
-              <a:t>14/04/2024</a:t>
+              <a:t>4/18/24</a:t>
             </a:fld>
             <a:endParaRPr lang="en-PH"/>
           </a:p>
@@ -2228,7 +2228,7 @@
           <a:p>
             <a:fld id="{0CCF0B81-6BD8-4C65-9459-815598C5F1F4}" type="datetimeFigureOut">
               <a:rPr lang="en-PH" smtClean="0"/>
-              <a:t>14/04/2024</a:t>
+              <a:t>4/18/24</a:t>
             </a:fld>
             <a:endParaRPr lang="en-PH"/>
           </a:p>
@@ -2428,7 +2428,7 @@
           <a:p>
             <a:fld id="{0CCF0B81-6BD8-4C65-9459-815598C5F1F4}" type="datetimeFigureOut">
               <a:rPr lang="en-PH" smtClean="0"/>
-              <a:t>14/04/2024</a:t>
+              <a:t>4/18/24</a:t>
             </a:fld>
             <a:endParaRPr lang="en-PH"/>
           </a:p>
@@ -2638,7 +2638,7 @@
           <a:p>
             <a:fld id="{0CCF0B81-6BD8-4C65-9459-815598C5F1F4}" type="datetimeFigureOut">
               <a:rPr lang="en-PH" smtClean="0"/>
-              <a:t>14/04/2024</a:t>
+              <a:t>4/18/24</a:t>
             </a:fld>
             <a:endParaRPr lang="en-PH"/>
           </a:p>
@@ -2838,7 +2838,7 @@
           <a:p>
             <a:fld id="{0CCF0B81-6BD8-4C65-9459-815598C5F1F4}" type="datetimeFigureOut">
               <a:rPr lang="en-PH" smtClean="0"/>
-              <a:t>14/04/2024</a:t>
+              <a:t>4/18/24</a:t>
             </a:fld>
             <a:endParaRPr lang="en-PH"/>
           </a:p>
@@ -3114,7 +3114,7 @@
           <a:p>
             <a:fld id="{0CCF0B81-6BD8-4C65-9459-815598C5F1F4}" type="datetimeFigureOut">
               <a:rPr lang="en-PH" smtClean="0"/>
-              <a:t>14/04/2024</a:t>
+              <a:t>4/18/24</a:t>
             </a:fld>
             <a:endParaRPr lang="en-PH"/>
           </a:p>
@@ -3382,7 +3382,7 @@
           <a:p>
             <a:fld id="{0CCF0B81-6BD8-4C65-9459-815598C5F1F4}" type="datetimeFigureOut">
               <a:rPr lang="en-PH" smtClean="0"/>
-              <a:t>14/04/2024</a:t>
+              <a:t>4/18/24</a:t>
             </a:fld>
             <a:endParaRPr lang="en-PH"/>
           </a:p>
@@ -3797,7 +3797,7 @@
           <a:p>
             <a:fld id="{0CCF0B81-6BD8-4C65-9459-815598C5F1F4}" type="datetimeFigureOut">
               <a:rPr lang="en-PH" smtClean="0"/>
-              <a:t>14/04/2024</a:t>
+              <a:t>4/18/24</a:t>
             </a:fld>
             <a:endParaRPr lang="en-PH"/>
           </a:p>
@@ -3939,7 +3939,7 @@
           <a:p>
             <a:fld id="{0CCF0B81-6BD8-4C65-9459-815598C5F1F4}" type="datetimeFigureOut">
               <a:rPr lang="en-PH" smtClean="0"/>
-              <a:t>14/04/2024</a:t>
+              <a:t>4/18/24</a:t>
             </a:fld>
             <a:endParaRPr lang="en-PH"/>
           </a:p>
@@ -4052,7 +4052,7 @@
           <a:p>
             <a:fld id="{0CCF0B81-6BD8-4C65-9459-815598C5F1F4}" type="datetimeFigureOut">
               <a:rPr lang="en-PH" smtClean="0"/>
-              <a:t>14/04/2024</a:t>
+              <a:t>4/18/24</a:t>
             </a:fld>
             <a:endParaRPr lang="en-PH"/>
           </a:p>
@@ -4365,7 +4365,7 @@
           <a:p>
             <a:fld id="{0CCF0B81-6BD8-4C65-9459-815598C5F1F4}" type="datetimeFigureOut">
               <a:rPr lang="en-PH" smtClean="0"/>
-              <a:t>14/04/2024</a:t>
+              <a:t>4/18/24</a:t>
             </a:fld>
             <a:endParaRPr lang="en-PH"/>
           </a:p>
@@ -4654,7 +4654,7 @@
           <a:p>
             <a:fld id="{0CCF0B81-6BD8-4C65-9459-815598C5F1F4}" type="datetimeFigureOut">
               <a:rPr lang="en-PH" smtClean="0"/>
-              <a:t>14/04/2024</a:t>
+              <a:t>4/18/24</a:t>
             </a:fld>
             <a:endParaRPr lang="en-PH"/>
           </a:p>
@@ -4897,7 +4897,7 @@
           <a:p>
             <a:fld id="{0CCF0B81-6BD8-4C65-9459-815598C5F1F4}" type="datetimeFigureOut">
               <a:rPr lang="en-PH" smtClean="0"/>
-              <a:t>14/04/2024</a:t>
+              <a:t>4/18/24</a:t>
             </a:fld>
             <a:endParaRPr lang="en-PH"/>
           </a:p>
@@ -7266,8 +7266,8 @@
           </a:p>
         </p:txBody>
       </p:sp>
-      <mc:AlternateContent xmlns:mc="http://schemas.openxmlformats.org/markup-compatibility/2006" xmlns:a14="http://schemas.microsoft.com/office/drawing/2010/main">
-        <mc:Choice Requires="a14">
+      <mc:AlternateContent xmlns:mc="http://schemas.openxmlformats.org/markup-compatibility/2006">
+        <mc:Choice xmlns:a14="http://schemas.microsoft.com/office/drawing/2010/main" Requires="a14">
           <p:graphicFrame>
             <p:nvGraphicFramePr>
               <p:cNvPr id="3" name="Table 2">
@@ -7283,7 +7283,7 @@
               <p:nvPr>
                 <p:extLst>
                   <p:ext uri="{D42A27DB-BD31-4B8C-83A1-F6EECF244321}">
-                    <p14:modId xmlns:p14="http://schemas.microsoft.com/office/powerpoint/2010/main" val="2722378316"/>
+                    <p14:modId xmlns:p14="http://schemas.microsoft.com/office/powerpoint/2010/main" val="956572247"/>
                   </p:ext>
                 </p:extLst>
               </p:nvPr>
@@ -7428,7 +7428,7 @@
                                   <a:rPr lang="en-GB" sz="2100" b="0" i="1" smtClean="0">
                                     <a:latin typeface="Cambria Math" panose="02040503050406030204" pitchFamily="18" charset="0"/>
                                   </a:rPr>
-                                  <m:t>{ 0, 1, 2, 3,…}</m:t>
+                                  <m:t>{ 1, 2, 3,…}</m:t>
                                 </m:r>
                               </m:oMath>
                             </m:oMathPara>
@@ -7823,7 +7823,7 @@
             </a:graphic>
           </p:graphicFrame>
         </mc:Choice>
-        <mc:Fallback xmlns="">
+        <mc:Fallback>
           <p:graphicFrame>
             <p:nvGraphicFramePr>
               <p:cNvPr id="3" name="Table 2">
@@ -7839,7 +7839,7 @@
               <p:nvPr>
                 <p:extLst>
                   <p:ext uri="{D42A27DB-BD31-4B8C-83A1-F6EECF244321}">
-                    <p14:modId xmlns:p14="http://schemas.microsoft.com/office/powerpoint/2010/main" val="2722378316"/>
+                    <p14:modId xmlns:p14="http://schemas.microsoft.com/office/powerpoint/2010/main" val="956572247"/>
                   </p:ext>
                 </p:extLst>
               </p:nvPr>
@@ -8711,8 +8711,8 @@
           </a:p>
         </p:txBody>
       </p:sp>
-      <mc:AlternateContent xmlns:mc="http://schemas.openxmlformats.org/markup-compatibility/2006">
-        <mc:Choice xmlns:a14="http://schemas.microsoft.com/office/drawing/2010/main" Requires="a14">
+      <mc:AlternateContent xmlns:mc="http://schemas.openxmlformats.org/markup-compatibility/2006" xmlns:a14="http://schemas.microsoft.com/office/drawing/2010/main">
+        <mc:Choice Requires="a14">
           <p:sp>
             <p:nvSpPr>
               <p:cNvPr id="5" name="TextBox 4">
@@ -8810,7 +8810,7 @@
             </p:txBody>
           </p:sp>
         </mc:Choice>
-        <mc:Fallback>
+        <mc:Fallback xmlns="">
           <p:sp>
             <p:nvSpPr>
               <p:cNvPr id="5" name="TextBox 4">
@@ -8855,8 +8855,8 @@
           </p:sp>
         </mc:Fallback>
       </mc:AlternateContent>
-      <mc:AlternateContent xmlns:mc="http://schemas.openxmlformats.org/markup-compatibility/2006">
-        <mc:Choice xmlns:a14="http://schemas.microsoft.com/office/drawing/2010/main" Requires="a14">
+      <mc:AlternateContent xmlns:mc="http://schemas.openxmlformats.org/markup-compatibility/2006" xmlns:a14="http://schemas.microsoft.com/office/drawing/2010/main">
+        <mc:Choice Requires="a14">
           <p:sp>
             <p:nvSpPr>
               <p:cNvPr id="17" name="TextBox 16">
@@ -8952,7 +8952,7 @@
             </p:txBody>
           </p:sp>
         </mc:Choice>
-        <mc:Fallback>
+        <mc:Fallback xmlns="">
           <p:sp>
             <p:nvSpPr>
               <p:cNvPr id="17" name="TextBox 16">
@@ -9105,8 +9105,8 @@
           </a:p>
         </p:txBody>
       </p:sp>
-      <mc:AlternateContent xmlns:mc="http://schemas.openxmlformats.org/markup-compatibility/2006">
-        <mc:Choice xmlns:a14="http://schemas.microsoft.com/office/drawing/2010/main" Requires="a14">
+      <mc:AlternateContent xmlns:mc="http://schemas.openxmlformats.org/markup-compatibility/2006" xmlns:a14="http://schemas.microsoft.com/office/drawing/2010/main">
+        <mc:Choice Requires="a14">
           <p:sp>
             <p:nvSpPr>
               <p:cNvPr id="12" name="TextBox 11">
@@ -9220,7 +9220,7 @@
             </p:txBody>
           </p:sp>
         </mc:Choice>
-        <mc:Fallback>
+        <mc:Fallback xmlns="">
           <p:sp>
             <p:nvSpPr>
               <p:cNvPr id="12" name="TextBox 11">
@@ -16621,6 +16621,12 @@
 </file>
 
 <file path=customXml/item2.xml><?xml version="1.0" encoding="utf-8"?>
+<p:properties xmlns:p="http://schemas.microsoft.com/office/2006/metadata/properties" xmlns:xsi="http://www.w3.org/2001/XMLSchema-instance" xmlns:pc="http://schemas.microsoft.com/office/infopath/2007/PartnerControls">
+  <documentManagement/>
+</p:properties>
+</file>
+
+<file path=customXml/item3.xml><?xml version="1.0" encoding="utf-8"?>
 <ct:contentTypeSchema xmlns:ct="http://schemas.microsoft.com/office/2006/metadata/contentType" xmlns:ma="http://schemas.microsoft.com/office/2006/metadata/properties/metaAttributes" ct:_="" ma:_="" ma:contentTypeName="Document" ma:contentTypeID="0x0101007188BDCA587B344BBA6CB1A93FAE6998" ma:contentTypeVersion="2" ma:contentTypeDescription="Create a new document." ma:contentTypeScope="" ma:versionID="7a8e4b6720badb2566a0cfeddfaf2856">
   <xsd:schema xmlns:xsd="http://www.w3.org/2001/XMLSchema" xmlns:xs="http://www.w3.org/2001/XMLSchema" xmlns:p="http://schemas.microsoft.com/office/2006/metadata/properties" xmlns:ns2="ba111d12-426d-4af0-bcb6-460e36974645" targetNamespace="http://schemas.microsoft.com/office/2006/metadata/properties" ma:root="true" ma:fieldsID="989b05398519136c88ba0a8d54e3c3da" ns2:_="">
     <xsd:import namespace="ba111d12-426d-4af0-bcb6-460e36974645"/>
@@ -16752,12 +16758,6 @@
 </ct:contentTypeSchema>
 </file>
 
-<file path=customXml/item3.xml><?xml version="1.0" encoding="utf-8"?>
-<p:properties xmlns:p="http://schemas.microsoft.com/office/2006/metadata/properties" xmlns:xsi="http://www.w3.org/2001/XMLSchema-instance" xmlns:pc="http://schemas.microsoft.com/office/infopath/2007/PartnerControls">
-  <documentManagement/>
-</p:properties>
-</file>
-
 <file path=customXml/itemProps1.xml><?xml version="1.0" encoding="utf-8"?>
 <ds:datastoreItem xmlns:ds="http://schemas.openxmlformats.org/officeDocument/2006/customXml" ds:itemID="{AE0C03B0-3DE5-4BD9-B3BB-6E4919CD06B4}">
   <ds:schemaRefs>
@@ -16767,6 +16767,15 @@
 </file>
 
 <file path=customXml/itemProps2.xml><?xml version="1.0" encoding="utf-8"?>
+<ds:datastoreItem xmlns:ds="http://schemas.openxmlformats.org/officeDocument/2006/customXml" ds:itemID="{A05518A6-09E4-4E11-AE7D-4C13722BEBC7}">
+  <ds:schemaRefs>
+    <ds:schemaRef ds:uri="http://schemas.microsoft.com/office/2006/metadata/properties"/>
+    <ds:schemaRef ds:uri="http://schemas.microsoft.com/office/infopath/2007/PartnerControls"/>
+  </ds:schemaRefs>
+</ds:datastoreItem>
+</file>
+
+<file path=customXml/itemProps3.xml><?xml version="1.0" encoding="utf-8"?>
 <ds:datastoreItem xmlns:ds="http://schemas.openxmlformats.org/officeDocument/2006/customXml" ds:itemID="{46BFEDF5-8B64-4FF5-9637-4791A1C152B8}">
   <ds:schemaRefs>
     <ds:schemaRef ds:uri="http://schemas.microsoft.com/office/2006/metadata/contentType"/>
@@ -16782,13 +16791,4 @@
     <ds:schemaRef ds:uri="http://schemas.microsoft.com/internal/obd"/>
   </ds:schemaRefs>
 </ds:datastoreItem>
-</file>
-
-<file path=customXml/itemProps3.xml><?xml version="1.0" encoding="utf-8"?>
-<ds:datastoreItem xmlns:ds="http://schemas.openxmlformats.org/officeDocument/2006/customXml" ds:itemID="{A05518A6-09E4-4E11-AE7D-4C13722BEBC7}">
-  <ds:schemaRefs>
-    <ds:schemaRef ds:uri="http://schemas.microsoft.com/office/2006/metadata/properties"/>
-    <ds:schemaRef ds:uri="http://schemas.microsoft.com/office/infopath/2007/PartnerControls"/>
-  </ds:schemaRefs>
-</ds:datastoreItem>
 </file>
--- a/Week 3 - Proofs/Sets.pptx
+++ b/Week 3 - Proofs/Sets.pptx
@@ -215,7 +215,7 @@
           <a:p>
             <a:fld id="{F666E1FD-E7A0-497B-BBC0-740BAAC97C64}" type="datetimeFigureOut">
               <a:rPr lang="en-PH" smtClean="0"/>
-              <a:t>4/18/24</a:t>
+              <a:t>19/04/2024</a:t>
             </a:fld>
             <a:endParaRPr lang="en-PH"/>
           </a:p>
@@ -2228,7 +2228,7 @@
           <a:p>
             <a:fld id="{0CCF0B81-6BD8-4C65-9459-815598C5F1F4}" type="datetimeFigureOut">
               <a:rPr lang="en-PH" smtClean="0"/>
-              <a:t>4/18/24</a:t>
+              <a:t>19/04/2024</a:t>
             </a:fld>
             <a:endParaRPr lang="en-PH"/>
           </a:p>
@@ -2428,7 +2428,7 @@
           <a:p>
             <a:fld id="{0CCF0B81-6BD8-4C65-9459-815598C5F1F4}" type="datetimeFigureOut">
               <a:rPr lang="en-PH" smtClean="0"/>
-              <a:t>4/18/24</a:t>
+              <a:t>19/04/2024</a:t>
             </a:fld>
             <a:endParaRPr lang="en-PH"/>
           </a:p>
@@ -2638,7 +2638,7 @@
           <a:p>
             <a:fld id="{0CCF0B81-6BD8-4C65-9459-815598C5F1F4}" type="datetimeFigureOut">
               <a:rPr lang="en-PH" smtClean="0"/>
-              <a:t>4/18/24</a:t>
+              <a:t>19/04/2024</a:t>
             </a:fld>
             <a:endParaRPr lang="en-PH"/>
           </a:p>
@@ -2838,7 +2838,7 @@
           <a:p>
             <a:fld id="{0CCF0B81-6BD8-4C65-9459-815598C5F1F4}" type="datetimeFigureOut">
               <a:rPr lang="en-PH" smtClean="0"/>
-              <a:t>4/18/24</a:t>
+              <a:t>19/04/2024</a:t>
             </a:fld>
             <a:endParaRPr lang="en-PH"/>
           </a:p>
@@ -3114,7 +3114,7 @@
           <a:p>
             <a:fld id="{0CCF0B81-6BD8-4C65-9459-815598C5F1F4}" type="datetimeFigureOut">
               <a:rPr lang="en-PH" smtClean="0"/>
-              <a:t>4/18/24</a:t>
+              <a:t>19/04/2024</a:t>
             </a:fld>
             <a:endParaRPr lang="en-PH"/>
           </a:p>
@@ -3382,7 +3382,7 @@
           <a:p>
             <a:fld id="{0CCF0B81-6BD8-4C65-9459-815598C5F1F4}" type="datetimeFigureOut">
               <a:rPr lang="en-PH" smtClean="0"/>
-              <a:t>4/18/24</a:t>
+              <a:t>19/04/2024</a:t>
             </a:fld>
             <a:endParaRPr lang="en-PH"/>
           </a:p>
@@ -3797,7 +3797,7 @@
           <a:p>
             <a:fld id="{0CCF0B81-6BD8-4C65-9459-815598C5F1F4}" type="datetimeFigureOut">
               <a:rPr lang="en-PH" smtClean="0"/>
-              <a:t>4/18/24</a:t>
+              <a:t>19/04/2024</a:t>
             </a:fld>
             <a:endParaRPr lang="en-PH"/>
           </a:p>
@@ -3939,7 +3939,7 @@
           <a:p>
             <a:fld id="{0CCF0B81-6BD8-4C65-9459-815598C5F1F4}" type="datetimeFigureOut">
               <a:rPr lang="en-PH" smtClean="0"/>
-              <a:t>4/18/24</a:t>
+              <a:t>19/04/2024</a:t>
             </a:fld>
             <a:endParaRPr lang="en-PH"/>
           </a:p>
@@ -4052,7 +4052,7 @@
           <a:p>
             <a:fld id="{0CCF0B81-6BD8-4C65-9459-815598C5F1F4}" type="datetimeFigureOut">
               <a:rPr lang="en-PH" smtClean="0"/>
-              <a:t>4/18/24</a:t>
+              <a:t>19/04/2024</a:t>
             </a:fld>
             <a:endParaRPr lang="en-PH"/>
           </a:p>
@@ -4365,7 +4365,7 @@
           <a:p>
             <a:fld id="{0CCF0B81-6BD8-4C65-9459-815598C5F1F4}" type="datetimeFigureOut">
               <a:rPr lang="en-PH" smtClean="0"/>
-              <a:t>4/18/24</a:t>
+              <a:t>19/04/2024</a:t>
             </a:fld>
             <a:endParaRPr lang="en-PH"/>
           </a:p>
@@ -4654,7 +4654,7 @@
           <a:p>
             <a:fld id="{0CCF0B81-6BD8-4C65-9459-815598C5F1F4}" type="datetimeFigureOut">
               <a:rPr lang="en-PH" smtClean="0"/>
-              <a:t>4/18/24</a:t>
+              <a:t>19/04/2024</a:t>
             </a:fld>
             <a:endParaRPr lang="en-PH"/>
           </a:p>
@@ -4897,7 +4897,7 @@
           <a:p>
             <a:fld id="{0CCF0B81-6BD8-4C65-9459-815598C5F1F4}" type="datetimeFigureOut">
               <a:rPr lang="en-PH" smtClean="0"/>
-              <a:t>4/18/24</a:t>
+              <a:t>19/04/2024</a:t>
             </a:fld>
             <a:endParaRPr lang="en-PH"/>
           </a:p>
@@ -7266,8 +7266,8 @@
           </a:p>
         </p:txBody>
       </p:sp>
-      <mc:AlternateContent xmlns:mc="http://schemas.openxmlformats.org/markup-compatibility/2006">
-        <mc:Choice xmlns:a14="http://schemas.microsoft.com/office/drawing/2010/main" Requires="a14">
+      <mc:AlternateContent xmlns:mc="http://schemas.openxmlformats.org/markup-compatibility/2006" xmlns:a14="http://schemas.microsoft.com/office/drawing/2010/main">
+        <mc:Choice Requires="a14">
           <p:graphicFrame>
             <p:nvGraphicFramePr>
               <p:cNvPr id="3" name="Table 2">
@@ -7823,7 +7823,7 @@
             </a:graphic>
           </p:graphicFrame>
         </mc:Choice>
-        <mc:Fallback>
+        <mc:Fallback xmlns="">
           <p:graphicFrame>
             <p:nvGraphicFramePr>
               <p:cNvPr id="3" name="Table 2">
@@ -13053,8 +13053,8 @@
           </p:txBody>
         </p:sp>
       </p:grpSp>
-      <mc:AlternateContent xmlns:mc="http://schemas.openxmlformats.org/markup-compatibility/2006" xmlns:a14="http://schemas.microsoft.com/office/drawing/2010/main">
-        <mc:Choice Requires="a14">
+      <mc:AlternateContent xmlns:mc="http://schemas.openxmlformats.org/markup-compatibility/2006">
+        <mc:Choice xmlns:a14="http://schemas.microsoft.com/office/drawing/2010/main" Requires="a14">
           <p:sp>
             <p:nvSpPr>
               <p:cNvPr id="24" name="TextBox 23">
@@ -13100,7 +13100,13 @@
                         <a:rPr lang="en-GB" sz="3000" b="0" i="1" smtClean="0">
                           <a:latin typeface="Cambria Math" panose="02040503050406030204" pitchFamily="18" charset="0"/>
                         </a:rPr>
-                        <m:t>={−4, −2 0 , 2, 4}</m:t>
+                        <m:t>={−4, −2, 0 </m:t>
+                      </m:r>
+                      <m:r>
+                        <a:rPr lang="en-GB" sz="3000" b="0" i="1" smtClean="0">
+                          <a:latin typeface="Cambria Math" panose="02040503050406030204" pitchFamily="18" charset="0"/>
+                        </a:rPr>
+                        <m:t>, 2, 4}</m:t>
                       </m:r>
                     </m:oMath>
                   </m:oMathPara>
@@ -13110,7 +13116,7 @@
             </p:txBody>
           </p:sp>
         </mc:Choice>
-        <mc:Fallback xmlns="">
+        <mc:Fallback>
           <p:sp>
             <p:nvSpPr>
               <p:cNvPr id="24" name="TextBox 23">
@@ -13136,7 +13142,7 @@
               <a:blipFill>
                 <a:blip r:embed="rId5"/>
                 <a:stretch>
-                  <a:fillRect b="-22222"/>
+                  <a:fillRect/>
                 </a:stretch>
               </a:blipFill>
             </p:spPr>
@@ -13145,7 +13151,7 @@
               <a:lstStyle/>
               <a:p>
                 <a:r>
-                  <a:rPr lang="en-US">
+                  <a:rPr lang="en-PH">
                     <a:noFill/>
                   </a:rPr>
                   <a:t> </a:t>
@@ -16612,21 +16618,6 @@
 </file>
 
 <file path=customXml/item1.xml><?xml version="1.0" encoding="utf-8"?>
-<?mso-contentType ?>
-<FormTemplates xmlns="http://schemas.microsoft.com/sharepoint/v3/contenttype/forms">
-  <Display>DocumentLibraryForm</Display>
-  <Edit>DocumentLibraryForm</Edit>
-  <New>DocumentLibraryForm</New>
-</FormTemplates>
-</file>
-
-<file path=customXml/item2.xml><?xml version="1.0" encoding="utf-8"?>
-<p:properties xmlns:p="http://schemas.microsoft.com/office/2006/metadata/properties" xmlns:xsi="http://www.w3.org/2001/XMLSchema-instance" xmlns:pc="http://schemas.microsoft.com/office/infopath/2007/PartnerControls">
-  <documentManagement/>
-</p:properties>
-</file>
-
-<file path=customXml/item3.xml><?xml version="1.0" encoding="utf-8"?>
 <ct:contentTypeSchema xmlns:ct="http://schemas.microsoft.com/office/2006/metadata/contentType" xmlns:ma="http://schemas.microsoft.com/office/2006/metadata/properties/metaAttributes" ct:_="" ma:_="" ma:contentTypeName="Document" ma:contentTypeID="0x0101007188BDCA587B344BBA6CB1A93FAE6998" ma:contentTypeVersion="2" ma:contentTypeDescription="Create a new document." ma:contentTypeScope="" ma:versionID="7a8e4b6720badb2566a0cfeddfaf2856">
   <xsd:schema xmlns:xsd="http://www.w3.org/2001/XMLSchema" xmlns:xs="http://www.w3.org/2001/XMLSchema" xmlns:p="http://schemas.microsoft.com/office/2006/metadata/properties" xmlns:ns2="ba111d12-426d-4af0-bcb6-460e36974645" targetNamespace="http://schemas.microsoft.com/office/2006/metadata/properties" ma:root="true" ma:fieldsID="989b05398519136c88ba0a8d54e3c3da" ns2:_="">
     <xsd:import namespace="ba111d12-426d-4af0-bcb6-460e36974645"/>
@@ -16758,24 +16749,22 @@
 </ct:contentTypeSchema>
 </file>
 
-<file path=customXml/itemProps1.xml><?xml version="1.0" encoding="utf-8"?>
-<ds:datastoreItem xmlns:ds="http://schemas.openxmlformats.org/officeDocument/2006/customXml" ds:itemID="{AE0C03B0-3DE5-4BD9-B3BB-6E4919CD06B4}">
-  <ds:schemaRefs>
-    <ds:schemaRef ds:uri="http://schemas.microsoft.com/sharepoint/v3/contenttype/forms"/>
-  </ds:schemaRefs>
-</ds:datastoreItem>
+<file path=customXml/item2.xml><?xml version="1.0" encoding="utf-8"?>
+<p:properties xmlns:p="http://schemas.microsoft.com/office/2006/metadata/properties" xmlns:xsi="http://www.w3.org/2001/XMLSchema-instance" xmlns:pc="http://schemas.microsoft.com/office/infopath/2007/PartnerControls">
+  <documentManagement/>
+</p:properties>
 </file>
 
-<file path=customXml/itemProps2.xml><?xml version="1.0" encoding="utf-8"?>
-<ds:datastoreItem xmlns:ds="http://schemas.openxmlformats.org/officeDocument/2006/customXml" ds:itemID="{A05518A6-09E4-4E11-AE7D-4C13722BEBC7}">
-  <ds:schemaRefs>
-    <ds:schemaRef ds:uri="http://schemas.microsoft.com/office/2006/metadata/properties"/>
-    <ds:schemaRef ds:uri="http://schemas.microsoft.com/office/infopath/2007/PartnerControls"/>
-  </ds:schemaRefs>
-</ds:datastoreItem>
+<file path=customXml/item3.xml><?xml version="1.0" encoding="utf-8"?>
+<?mso-contentType ?>
+<FormTemplates xmlns="http://schemas.microsoft.com/sharepoint/v3/contenttype/forms">
+  <Display>DocumentLibraryForm</Display>
+  <Edit>DocumentLibraryForm</Edit>
+  <New>DocumentLibraryForm</New>
+</FormTemplates>
 </file>
 
-<file path=customXml/itemProps3.xml><?xml version="1.0" encoding="utf-8"?>
+<file path=customXml/itemProps1.xml><?xml version="1.0" encoding="utf-8"?>
 <ds:datastoreItem xmlns:ds="http://schemas.openxmlformats.org/officeDocument/2006/customXml" ds:itemID="{46BFEDF5-8B64-4FF5-9637-4791A1C152B8}">
   <ds:schemaRefs>
     <ds:schemaRef ds:uri="http://schemas.microsoft.com/office/2006/metadata/contentType"/>
@@ -16791,4 +16780,21 @@
     <ds:schemaRef ds:uri="http://schemas.microsoft.com/internal/obd"/>
   </ds:schemaRefs>
 </ds:datastoreItem>
+</file>
+
+<file path=customXml/itemProps2.xml><?xml version="1.0" encoding="utf-8"?>
+<ds:datastoreItem xmlns:ds="http://schemas.openxmlformats.org/officeDocument/2006/customXml" ds:itemID="{A05518A6-09E4-4E11-AE7D-4C13722BEBC7}">
+  <ds:schemaRefs>
+    <ds:schemaRef ds:uri="http://schemas.microsoft.com/office/2006/metadata/properties"/>
+    <ds:schemaRef ds:uri="http://schemas.microsoft.com/office/infopath/2007/PartnerControls"/>
+  </ds:schemaRefs>
+</ds:datastoreItem>
+</file>
+
+<file path=customXml/itemProps3.xml><?xml version="1.0" encoding="utf-8"?>
+<ds:datastoreItem xmlns:ds="http://schemas.openxmlformats.org/officeDocument/2006/customXml" ds:itemID="{AE0C03B0-3DE5-4BD9-B3BB-6E4919CD06B4}">
+  <ds:schemaRefs>
+    <ds:schemaRef ds:uri="http://schemas.microsoft.com/sharepoint/v3/contenttype/forms"/>
+  </ds:schemaRefs>
+</ds:datastoreItem>
 </file>